--- a/수업교제/python_calss5.pptx
+++ b/수업교제/python_calss5.pptx
@@ -11,6 +11,7 @@
     <p:sldId id="263" r:id="rId5"/>
     <p:sldId id="264" r:id="rId6"/>
     <p:sldId id="266" r:id="rId7"/>
+    <p:sldId id="267" r:id="rId8"/>
   </p:sldIdLst>
   <p:sldSz cx="12192000" cy="6858000"/>
   <p:notesSz cx="6858000" cy="9144000"/>
@@ -3844,7 +3845,7 @@
         <p:push/>
       </p:transition>
     </mc:Choice>
-    <mc:Fallback xmlns:dsp="http://schemas.microsoft.com/office/drawing/2008/diagram" xmlns:dgm="http://schemas.openxmlformats.org/drawingml/2006/diagram" xmlns:c="http://schemas.openxmlformats.org/drawingml/2006/chart" xmlns="">
+    <mc:Fallback xmlns="" xmlns:c="http://schemas.openxmlformats.org/drawingml/2006/chart" xmlns:dgm="http://schemas.openxmlformats.org/drawingml/2006/diagram" xmlns:dsp="http://schemas.microsoft.com/office/drawing/2008/diagram">
       <p:transition xmlns:mc="http://schemas.openxmlformats.org/markup-compatibility/2006" xmlns:hp="http://schemas.haansoft.com/office/presentation/8.0" spd="med" mc:Ignorable="hp" hp:hslDur="1000">
         <p:fade/>
       </p:transition>
@@ -6463,12 +6464,42 @@
           <a:chExt cx="0" cy="0"/>
         </a:xfrm>
       </p:grpSpPr>
-      <p:sp>
-        <p:nvSpPr>
-          <p:cNvPr id="2" name="제목 1">
+      <p:pic>
+        <p:nvPicPr>
+          <p:cNvPr id="7" name="그림 6">
             <a:extLst>
               <a:ext uri="{FF2B5EF4-FFF2-40B4-BE49-F238E27FC236}">
-                <a16:creationId xmlns:a16="http://schemas.microsoft.com/office/drawing/2014/main" id="{5FBBC60A-8CA1-AE4E-C3BC-17AD1561A38B}"/>
+                <a16:creationId xmlns:a16="http://schemas.microsoft.com/office/drawing/2014/main" id="{C5FEB4C1-53DE-E48F-565F-F131CF0FAE10}"/>
+              </a:ext>
+            </a:extLst>
+          </p:cNvPr>
+          <p:cNvPicPr>
+            <a:picLocks noChangeAspect="1"/>
+          </p:cNvPicPr>
+          <p:nvPr/>
+        </p:nvPicPr>
+        <p:blipFill>
+          <a:blip r:embed="rId2"/>
+          <a:stretch>
+            <a:fillRect/>
+          </a:stretch>
+        </p:blipFill>
+        <p:spPr>
+          <a:xfrm>
+            <a:off x="1250964" y="1752600"/>
+            <a:ext cx="5553075" cy="3352800"/>
+          </a:xfrm>
+          <a:prstGeom prst="rect">
+            <a:avLst/>
+          </a:prstGeom>
+        </p:spPr>
+      </p:pic>
+      <p:sp>
+        <p:nvSpPr>
+          <p:cNvPr id="8" name="제목 1">
+            <a:extLst>
+              <a:ext uri="{FF2B5EF4-FFF2-40B4-BE49-F238E27FC236}">
+                <a16:creationId xmlns:a16="http://schemas.microsoft.com/office/drawing/2014/main" id="{FF8E9CD3-FA59-2963-2B69-9F06F51A582D}"/>
               </a:ext>
             </a:extLst>
           </p:cNvPr>
@@ -6479,21 +6510,157 @@
             <p:ph type="title"/>
           </p:nvPr>
         </p:nvSpPr>
-        <p:spPr/>
+        <p:spPr>
+          <a:xfrm>
+            <a:off x="708870" y="444617"/>
+            <a:ext cx="5842932" cy="738231"/>
+          </a:xfrm>
+        </p:spPr>
         <p:txBody>
           <a:bodyPr/>
           <a:lstStyle/>
           <a:p>
-            <a:endParaRPr lang="ko-KR" altLang="en-US"/>
-          </a:p>
-        </p:txBody>
-      </p:sp>
-      <p:sp>
-        <p:nvSpPr>
-          <p:cNvPr id="3" name="내용 개체 틀 2">
+            <a:r>
+              <a:rPr lang="en-US" altLang="ko-KR" dirty="0"/>
+              <a:t>Git bash - clone</a:t>
+            </a:r>
+            <a:endParaRPr lang="ko-KR" altLang="en-US" dirty="0"/>
+          </a:p>
+        </p:txBody>
+      </p:sp>
+      <p:sp>
+        <p:nvSpPr>
+          <p:cNvPr id="10" name="TextBox 9">
             <a:extLst>
               <a:ext uri="{FF2B5EF4-FFF2-40B4-BE49-F238E27FC236}">
-                <a16:creationId xmlns:a16="http://schemas.microsoft.com/office/drawing/2014/main" id="{086AF370-719C-D666-059E-C79D4759FAFC}"/>
+                <a16:creationId xmlns:a16="http://schemas.microsoft.com/office/drawing/2014/main" id="{8B7833A7-6A19-EC3D-5DA7-AFB60C4FD01A}"/>
+              </a:ext>
+            </a:extLst>
+          </p:cNvPr>
+          <p:cNvSpPr txBox="1"/>
+          <p:nvPr/>
+        </p:nvSpPr>
+        <p:spPr>
+          <a:xfrm>
+            <a:off x="6917923" y="3059668"/>
+            <a:ext cx="5043257" cy="738664"/>
+          </a:xfrm>
+          <a:prstGeom prst="rect">
+            <a:avLst/>
+          </a:prstGeom>
+          <a:noFill/>
+        </p:spPr>
+        <p:txBody>
+          <a:bodyPr wrap="square">
+            <a:spAutoFit/>
+          </a:bodyPr>
+          <a:lstStyle/>
+          <a:p>
+            <a:pPr marL="342900" indent="-342900">
+              <a:buAutoNum type="arabicPeriod"/>
+            </a:pPr>
+            <a:r>
+              <a:rPr lang="ko-KR" altLang="en-US" sz="1400" dirty="0" err="1"/>
+              <a:t>cd</a:t>
+            </a:r>
+            <a:r>
+              <a:rPr lang="ko-KR" altLang="en-US" sz="1400" dirty="0"/>
+              <a:t> /c/GitHub/</a:t>
+            </a:r>
+            <a:endParaRPr lang="en-US" altLang="ko-KR" sz="1400" dirty="0"/>
+          </a:p>
+          <a:p>
+            <a:pPr marL="342900" indent="-342900">
+              <a:buFontTx/>
+              <a:buAutoNum type="arabicPeriod"/>
+            </a:pPr>
+            <a:r>
+              <a:rPr lang="en-US" altLang="ko-KR" sz="1400" dirty="0"/>
+              <a:t>git clone </a:t>
+            </a:r>
+            <a:r>
+              <a:rPr lang="en-US" altLang="ko-KR" sz="1400" dirty="0">
+                <a:hlinkClick r:id="rId3"/>
+              </a:rPr>
+              <a:t>https://github.com/gomtings/JeoninHighSchool.git</a:t>
+            </a:r>
+            <a:endParaRPr lang="en-US" altLang="ko-KR" sz="1400" dirty="0"/>
+          </a:p>
+          <a:p>
+            <a:pPr marL="342900" indent="-342900">
+              <a:buFontTx/>
+              <a:buAutoNum type="arabicPeriod"/>
+            </a:pPr>
+            <a:endParaRPr lang="ko-KR" altLang="en-US" sz="1400" dirty="0"/>
+          </a:p>
+        </p:txBody>
+      </p:sp>
+    </p:spTree>
+    <p:extLst>
+      <p:ext uri="{BB962C8B-B14F-4D97-AF65-F5344CB8AC3E}">
+        <p14:creationId xmlns:p14="http://schemas.microsoft.com/office/powerpoint/2010/main" val="1003401761"/>
+      </p:ext>
+    </p:extLst>
+  </p:cSld>
+  <p:clrMapOvr>
+    <a:masterClrMapping/>
+  </p:clrMapOvr>
+</p:sld>
+</file>
+
+<file path=ppt/slides/slide7.xml><?xml version="1.0" encoding="utf-8"?>
+<p:sld xmlns:a="http://schemas.openxmlformats.org/drawingml/2006/main" xmlns:r="http://schemas.openxmlformats.org/officeDocument/2006/relationships" xmlns:p="http://schemas.openxmlformats.org/presentationml/2006/main">
+  <p:cSld>
+    <p:spTree>
+      <p:nvGrpSpPr>
+        <p:cNvPr id="1" name=""/>
+        <p:cNvGrpSpPr/>
+        <p:nvPr/>
+      </p:nvGrpSpPr>
+      <p:grpSpPr>
+        <a:xfrm>
+          <a:off x="0" y="0"/>
+          <a:ext cx="0" cy="0"/>
+          <a:chOff x="0" y="0"/>
+          <a:chExt cx="0" cy="0"/>
+        </a:xfrm>
+      </p:grpSpPr>
+      <p:pic>
+        <p:nvPicPr>
+          <p:cNvPr id="7" name="그림 6">
+            <a:extLst>
+              <a:ext uri="{FF2B5EF4-FFF2-40B4-BE49-F238E27FC236}">
+                <a16:creationId xmlns:a16="http://schemas.microsoft.com/office/drawing/2014/main" id="{C5FEB4C1-53DE-E48F-565F-F131CF0FAE10}"/>
+              </a:ext>
+            </a:extLst>
+          </p:cNvPr>
+          <p:cNvPicPr>
+            <a:picLocks noChangeAspect="1"/>
+          </p:cNvPicPr>
+          <p:nvPr/>
+        </p:nvPicPr>
+        <p:blipFill>
+          <a:blip r:embed="rId2"/>
+          <a:stretch>
+            <a:fillRect/>
+          </a:stretch>
+        </p:blipFill>
+        <p:spPr>
+          <a:xfrm>
+            <a:off x="1250964" y="1752600"/>
+            <a:ext cx="5553075" cy="3352800"/>
+          </a:xfrm>
+          <a:prstGeom prst="rect">
+            <a:avLst/>
+          </a:prstGeom>
+        </p:spPr>
+      </p:pic>
+      <p:sp>
+        <p:nvSpPr>
+          <p:cNvPr id="8" name="제목 1">
+            <a:extLst>
+              <a:ext uri="{FF2B5EF4-FFF2-40B4-BE49-F238E27FC236}">
+                <a16:creationId xmlns:a16="http://schemas.microsoft.com/office/drawing/2014/main" id="{FF8E9CD3-FA59-2963-2B69-9F06F51A582D}"/>
               </a:ext>
             </a:extLst>
           </p:cNvPr>
@@ -6501,64 +6668,98 @@
             <a:spLocks noGrp="1"/>
           </p:cNvSpPr>
           <p:nvPr>
-            <p:ph idx="1"/>
+            <p:ph type="title"/>
           </p:nvPr>
         </p:nvSpPr>
-        <p:spPr/>
+        <p:spPr>
+          <a:xfrm>
+            <a:off x="708870" y="444617"/>
+            <a:ext cx="5842932" cy="738231"/>
+          </a:xfrm>
+        </p:spPr>
         <p:txBody>
           <a:bodyPr/>
           <a:lstStyle/>
           <a:p>
             <a:r>
               <a:rPr lang="en-US" altLang="ko-KR" dirty="0"/>
-              <a:t>cd /c/GitHub</a:t>
-            </a:r>
-          </a:p>
-          <a:p>
-            <a:r>
-              <a:rPr lang="en-US" altLang="ko-KR" dirty="0"/>
-              <a:t>git clone https://github.com/gomtings/JeoninHighSchool.git</a:t>
-            </a:r>
-          </a:p>
-          <a:p>
-            <a:r>
-              <a:rPr lang="en-US" altLang="ko-KR" dirty="0"/>
-              <a:t>cd /c/GitHub/</a:t>
-            </a:r>
-            <a:r>
-              <a:rPr lang="en-US" altLang="ko-KR" dirty="0" err="1"/>
-              <a:t>JeoninHighSchool</a:t>
-            </a:r>
-            <a:endParaRPr lang="en-US" altLang="ko-KR" dirty="0"/>
-          </a:p>
-          <a:p>
-            <a:r>
-              <a:rPr lang="en-US" altLang="ko-KR" dirty="0"/>
-              <a:t>git push origin </a:t>
-            </a:r>
-            <a:r>
-              <a:rPr lang="en-US" altLang="ko-KR" dirty="0" err="1"/>
-              <a:t>JeoninHighSchool</a:t>
-            </a:r>
-            <a:endParaRPr lang="en-US" altLang="ko-KR" dirty="0"/>
-          </a:p>
-          <a:p>
-            <a:r>
-              <a:rPr lang="en-US" altLang="ko-KR" dirty="0"/>
-              <a:t>git pull origin </a:t>
-            </a:r>
-            <a:r>
-              <a:rPr lang="en-US" altLang="ko-KR" dirty="0" err="1"/>
-              <a:t>JeoninHighSchool</a:t>
+              <a:t>Git bash -pull</a:t>
             </a:r>
             <a:endParaRPr lang="ko-KR" altLang="en-US" dirty="0"/>
+          </a:p>
+        </p:txBody>
+      </p:sp>
+      <p:sp>
+        <p:nvSpPr>
+          <p:cNvPr id="10" name="TextBox 9">
+            <a:extLst>
+              <a:ext uri="{FF2B5EF4-FFF2-40B4-BE49-F238E27FC236}">
+                <a16:creationId xmlns:a16="http://schemas.microsoft.com/office/drawing/2014/main" id="{8B7833A7-6A19-EC3D-5DA7-AFB60C4FD01A}"/>
+              </a:ext>
+            </a:extLst>
+          </p:cNvPr>
+          <p:cNvSpPr txBox="1"/>
+          <p:nvPr/>
+        </p:nvSpPr>
+        <p:spPr>
+          <a:xfrm>
+            <a:off x="6917923" y="3059668"/>
+            <a:ext cx="5043257" cy="738664"/>
+          </a:xfrm>
+          <a:prstGeom prst="rect">
+            <a:avLst/>
+          </a:prstGeom>
+          <a:noFill/>
+        </p:spPr>
+        <p:txBody>
+          <a:bodyPr wrap="square">
+            <a:spAutoFit/>
+          </a:bodyPr>
+          <a:lstStyle/>
+          <a:p>
+            <a:pPr marL="342900" indent="-342900">
+              <a:buAutoNum type="arabicPeriod"/>
+            </a:pPr>
+            <a:r>
+              <a:rPr lang="ko-KR" altLang="en-US" sz="1400" dirty="0" err="1"/>
+              <a:t>cd</a:t>
+            </a:r>
+            <a:r>
+              <a:rPr lang="ko-KR" altLang="en-US" sz="1400" dirty="0"/>
+              <a:t> /c/GitHub/</a:t>
+            </a:r>
+            <a:endParaRPr lang="en-US" altLang="ko-KR" sz="1400" dirty="0"/>
+          </a:p>
+          <a:p>
+            <a:pPr marL="342900" indent="-342900">
+              <a:buFontTx/>
+              <a:buAutoNum type="arabicPeriod"/>
+            </a:pPr>
+            <a:r>
+              <a:rPr lang="en-US" altLang="ko-KR" sz="1400" dirty="0"/>
+              <a:t>git clone </a:t>
+            </a:r>
+            <a:r>
+              <a:rPr lang="en-US" altLang="ko-KR" sz="1400" dirty="0">
+                <a:hlinkClick r:id="rId3"/>
+              </a:rPr>
+              <a:t>https://github.com/gomtings/JeoninHighSchool.git</a:t>
+            </a:r>
+            <a:endParaRPr lang="en-US" altLang="ko-KR" sz="1400" dirty="0"/>
+          </a:p>
+          <a:p>
+            <a:pPr marL="342900" indent="-342900">
+              <a:buFontTx/>
+              <a:buAutoNum type="arabicPeriod"/>
+            </a:pPr>
+            <a:endParaRPr lang="ko-KR" altLang="en-US" sz="1400" dirty="0"/>
           </a:p>
         </p:txBody>
       </p:sp>
     </p:spTree>
     <p:extLst>
       <p:ext uri="{BB962C8B-B14F-4D97-AF65-F5344CB8AC3E}">
-        <p14:creationId xmlns:p14="http://schemas.microsoft.com/office/powerpoint/2010/main" val="1003401761"/>
+        <p14:creationId xmlns:p14="http://schemas.microsoft.com/office/powerpoint/2010/main" val="2451148590"/>
       </p:ext>
     </p:extLst>
   </p:cSld>

--- a/수업교제/python_calss5.pptx
+++ b/수업교제/python_calss5.pptx
@@ -12,6 +12,7 @@
     <p:sldId id="264" r:id="rId6"/>
     <p:sldId id="266" r:id="rId7"/>
     <p:sldId id="267" r:id="rId8"/>
+    <p:sldId id="268" r:id="rId9"/>
   </p:sldIdLst>
   <p:sldSz cx="12192000" cy="6858000"/>
   <p:notesSz cx="6858000" cy="9144000"/>
@@ -3845,7 +3846,7 @@
         <p:push/>
       </p:transition>
     </mc:Choice>
-    <mc:Fallback xmlns="" xmlns:c="http://schemas.openxmlformats.org/drawingml/2006/chart" xmlns:dgm="http://schemas.openxmlformats.org/drawingml/2006/diagram" xmlns:dsp="http://schemas.microsoft.com/office/drawing/2008/diagram">
+    <mc:Fallback xmlns:dsp="http://schemas.microsoft.com/office/drawing/2008/diagram" xmlns:dgm="http://schemas.openxmlformats.org/drawingml/2006/diagram" xmlns:c="http://schemas.openxmlformats.org/drawingml/2006/chart" xmlns="">
       <p:transition xmlns:mc="http://schemas.openxmlformats.org/markup-compatibility/2006" xmlns:hp="http://schemas.haansoft.com/office/presentation/8.0" spd="med" mc:Ignorable="hp" hp:hslDur="1000">
         <p:fade/>
       </p:transition>
@@ -6625,36 +6626,6 @@
           <a:chExt cx="0" cy="0"/>
         </a:xfrm>
       </p:grpSpPr>
-      <p:pic>
-        <p:nvPicPr>
-          <p:cNvPr id="7" name="그림 6">
-            <a:extLst>
-              <a:ext uri="{FF2B5EF4-FFF2-40B4-BE49-F238E27FC236}">
-                <a16:creationId xmlns:a16="http://schemas.microsoft.com/office/drawing/2014/main" id="{C5FEB4C1-53DE-E48F-565F-F131CF0FAE10}"/>
-              </a:ext>
-            </a:extLst>
-          </p:cNvPr>
-          <p:cNvPicPr>
-            <a:picLocks noChangeAspect="1"/>
-          </p:cNvPicPr>
-          <p:nvPr/>
-        </p:nvPicPr>
-        <p:blipFill>
-          <a:blip r:embed="rId2"/>
-          <a:stretch>
-            <a:fillRect/>
-          </a:stretch>
-        </p:blipFill>
-        <p:spPr>
-          <a:xfrm>
-            <a:off x="1250964" y="1752600"/>
-            <a:ext cx="5553075" cy="3352800"/>
-          </a:xfrm>
-          <a:prstGeom prst="rect">
-            <a:avLst/>
-          </a:prstGeom>
-        </p:spPr>
-      </p:pic>
       <p:sp>
         <p:nvSpPr>
           <p:cNvPr id="8" name="제목 1">
@@ -6703,8 +6674,8 @@
         </p:nvSpPr>
         <p:spPr>
           <a:xfrm>
-            <a:off x="6917923" y="3059668"/>
-            <a:ext cx="5043257" cy="738664"/>
+            <a:off x="6931175" y="2551836"/>
+            <a:ext cx="5043257" cy="1754326"/>
           </a:xfrm>
           <a:prstGeom prst="rect">
             <a:avLst/>
@@ -6721,14 +6692,14 @@
               <a:buAutoNum type="arabicPeriod"/>
             </a:pPr>
             <a:r>
-              <a:rPr lang="ko-KR" altLang="en-US" sz="1400" dirty="0" err="1"/>
-              <a:t>cd</a:t>
-            </a:r>
-            <a:r>
-              <a:rPr lang="ko-KR" altLang="en-US" sz="1400" dirty="0"/>
-              <a:t> /c/GitHub/</a:t>
-            </a:r>
-            <a:endParaRPr lang="en-US" altLang="ko-KR" sz="1400" dirty="0"/>
+              <a:rPr lang="en-US" altLang="ko-KR" dirty="0"/>
+              <a:t>cd /c/GitHub/</a:t>
+            </a:r>
+            <a:r>
+              <a:rPr lang="en-US" altLang="ko-KR" dirty="0" err="1"/>
+              <a:t>JeoninHighSchool</a:t>
+            </a:r>
+            <a:endParaRPr lang="en-US" altLang="ko-KR" dirty="0"/>
           </a:p>
           <a:p>
             <a:pPr marL="342900" indent="-342900">
@@ -6736,30 +6707,285 @@
               <a:buAutoNum type="arabicPeriod"/>
             </a:pPr>
             <a:r>
-              <a:rPr lang="en-US" altLang="ko-KR" sz="1400" dirty="0"/>
-              <a:t>git clone </a:t>
-            </a:r>
-            <a:r>
-              <a:rPr lang="en-US" altLang="ko-KR" sz="1400" dirty="0">
-                <a:hlinkClick r:id="rId3"/>
-              </a:rPr>
-              <a:t>https://github.com/gomtings/JeoninHighSchool.git</a:t>
-            </a:r>
-            <a:endParaRPr lang="en-US" altLang="ko-KR" sz="1400" dirty="0"/>
+              <a:rPr lang="en-US" altLang="ko-KR" dirty="0"/>
+              <a:t>git </a:t>
+            </a:r>
+            <a:r>
+              <a:rPr lang="en-US" altLang="ko-KR" dirty="0" err="1"/>
+              <a:t>init</a:t>
+            </a:r>
+            <a:endParaRPr lang="en-US" altLang="ko-KR" dirty="0"/>
           </a:p>
           <a:p>
             <a:pPr marL="342900" indent="-342900">
               <a:buFontTx/>
               <a:buAutoNum type="arabicPeriod"/>
             </a:pPr>
-            <a:endParaRPr lang="ko-KR" altLang="en-US" sz="1400" dirty="0"/>
-          </a:p>
-        </p:txBody>
-      </p:sp>
+            <a:r>
+              <a:rPr lang="en-US" altLang="ko-KR" dirty="0"/>
+              <a:t>git remote add origin </a:t>
+            </a:r>
+            <a:r>
+              <a:rPr lang="en-US" altLang="ko-KR" dirty="0">
+                <a:hlinkClick r:id="rId2"/>
+              </a:rPr>
+              <a:t>https://github.com/gomtings/JeoninHighSchool.git</a:t>
+            </a:r>
+            <a:endParaRPr lang="en-US" altLang="ko-KR" dirty="0"/>
+          </a:p>
+          <a:p>
+            <a:pPr marL="342900" indent="-342900">
+              <a:buFontTx/>
+              <a:buAutoNum type="arabicPeriod"/>
+            </a:pPr>
+            <a:r>
+              <a:rPr lang="en-US" altLang="ko-KR" dirty="0"/>
+              <a:t>git pull origin main</a:t>
+            </a:r>
+            <a:endParaRPr lang="ko-KR" altLang="en-US" dirty="0"/>
+          </a:p>
+        </p:txBody>
+      </p:sp>
+      <p:pic>
+        <p:nvPicPr>
+          <p:cNvPr id="5" name="그림 4">
+            <a:extLst>
+              <a:ext uri="{FF2B5EF4-FFF2-40B4-BE49-F238E27FC236}">
+                <a16:creationId xmlns:a16="http://schemas.microsoft.com/office/drawing/2014/main" id="{D0D35AC0-7B06-8792-F3A3-A4697B3CEAFB}"/>
+              </a:ext>
+            </a:extLst>
+          </p:cNvPr>
+          <p:cNvPicPr>
+            <a:picLocks noChangeAspect="1"/>
+          </p:cNvPicPr>
+          <p:nvPr/>
+        </p:nvPicPr>
+        <p:blipFill>
+          <a:blip r:embed="rId3"/>
+          <a:stretch>
+            <a:fillRect/>
+          </a:stretch>
+        </p:blipFill>
+        <p:spPr>
+          <a:xfrm>
+            <a:off x="799628" y="1724682"/>
+            <a:ext cx="6007527" cy="3408635"/>
+          </a:xfrm>
+          <a:prstGeom prst="rect">
+            <a:avLst/>
+          </a:prstGeom>
+        </p:spPr>
+      </p:pic>
     </p:spTree>
     <p:extLst>
       <p:ext uri="{BB962C8B-B14F-4D97-AF65-F5344CB8AC3E}">
         <p14:creationId xmlns:p14="http://schemas.microsoft.com/office/powerpoint/2010/main" val="2451148590"/>
+      </p:ext>
+    </p:extLst>
+  </p:cSld>
+  <p:clrMapOvr>
+    <a:masterClrMapping/>
+  </p:clrMapOvr>
+</p:sld>
+</file>
+
+<file path=ppt/slides/slide8.xml><?xml version="1.0" encoding="utf-8"?>
+<p:sld xmlns:a="http://schemas.openxmlformats.org/drawingml/2006/main" xmlns:r="http://schemas.openxmlformats.org/officeDocument/2006/relationships" xmlns:p="http://schemas.openxmlformats.org/presentationml/2006/main">
+  <p:cSld>
+    <p:spTree>
+      <p:nvGrpSpPr>
+        <p:cNvPr id="1" name=""/>
+        <p:cNvGrpSpPr/>
+        <p:nvPr/>
+      </p:nvGrpSpPr>
+      <p:grpSpPr>
+        <a:xfrm>
+          <a:off x="0" y="0"/>
+          <a:ext cx="0" cy="0"/>
+          <a:chOff x="0" y="0"/>
+          <a:chExt cx="0" cy="0"/>
+        </a:xfrm>
+      </p:grpSpPr>
+      <p:sp>
+        <p:nvSpPr>
+          <p:cNvPr id="8" name="제목 1">
+            <a:extLst>
+              <a:ext uri="{FF2B5EF4-FFF2-40B4-BE49-F238E27FC236}">
+                <a16:creationId xmlns:a16="http://schemas.microsoft.com/office/drawing/2014/main" id="{FF8E9CD3-FA59-2963-2B69-9F06F51A582D}"/>
+              </a:ext>
+            </a:extLst>
+          </p:cNvPr>
+          <p:cNvSpPr>
+            <a:spLocks noGrp="1"/>
+          </p:cNvSpPr>
+          <p:nvPr>
+            <p:ph type="title"/>
+          </p:nvPr>
+        </p:nvSpPr>
+        <p:spPr>
+          <a:xfrm>
+            <a:off x="708870" y="444617"/>
+            <a:ext cx="5842932" cy="738231"/>
+          </a:xfrm>
+        </p:spPr>
+        <p:txBody>
+          <a:bodyPr/>
+          <a:lstStyle/>
+          <a:p>
+            <a:r>
+              <a:rPr lang="en-US" altLang="ko-KR" dirty="0"/>
+              <a:t>Git bash -push</a:t>
+            </a:r>
+            <a:endParaRPr lang="ko-KR" altLang="en-US" dirty="0"/>
+          </a:p>
+        </p:txBody>
+      </p:sp>
+      <p:sp>
+        <p:nvSpPr>
+          <p:cNvPr id="10" name="TextBox 9">
+            <a:extLst>
+              <a:ext uri="{FF2B5EF4-FFF2-40B4-BE49-F238E27FC236}">
+                <a16:creationId xmlns:a16="http://schemas.microsoft.com/office/drawing/2014/main" id="{8B7833A7-6A19-EC3D-5DA7-AFB60C4FD01A}"/>
+              </a:ext>
+            </a:extLst>
+          </p:cNvPr>
+          <p:cNvSpPr txBox="1"/>
+          <p:nvPr/>
+        </p:nvSpPr>
+        <p:spPr>
+          <a:xfrm>
+            <a:off x="6931175" y="2551836"/>
+            <a:ext cx="5043257" cy="2585323"/>
+          </a:xfrm>
+          <a:prstGeom prst="rect">
+            <a:avLst/>
+          </a:prstGeom>
+          <a:noFill/>
+        </p:spPr>
+        <p:txBody>
+          <a:bodyPr wrap="square">
+            <a:spAutoFit/>
+          </a:bodyPr>
+          <a:lstStyle/>
+          <a:p>
+            <a:pPr marL="342900" indent="-342900">
+              <a:buAutoNum type="arabicPeriod"/>
+            </a:pPr>
+            <a:r>
+              <a:rPr lang="en-US" altLang="ko-KR" dirty="0"/>
+              <a:t>cd /c/GitHub/</a:t>
+            </a:r>
+            <a:r>
+              <a:rPr lang="en-US" altLang="ko-KR" dirty="0" err="1"/>
+              <a:t>JeoninHighSchool</a:t>
+            </a:r>
+            <a:endParaRPr lang="en-US" altLang="ko-KR" dirty="0"/>
+          </a:p>
+          <a:p>
+            <a:pPr marL="342900" indent="-342900">
+              <a:buFontTx/>
+              <a:buAutoNum type="arabicPeriod"/>
+            </a:pPr>
+            <a:r>
+              <a:rPr lang="en-US" altLang="ko-KR" dirty="0"/>
+              <a:t>git </a:t>
+            </a:r>
+            <a:r>
+              <a:rPr lang="en-US" altLang="ko-KR" dirty="0" err="1"/>
+              <a:t>init</a:t>
+            </a:r>
+            <a:endParaRPr lang="en-US" altLang="ko-KR" dirty="0"/>
+          </a:p>
+          <a:p>
+            <a:pPr marL="342900" indent="-342900">
+              <a:buFontTx/>
+              <a:buAutoNum type="arabicPeriod"/>
+            </a:pPr>
+            <a:r>
+              <a:rPr lang="en-US" altLang="ko-KR" dirty="0"/>
+              <a:t>git remote add origin </a:t>
+            </a:r>
+            <a:r>
+              <a:rPr lang="en-US" altLang="ko-KR" dirty="0">
+                <a:hlinkClick r:id="rId2"/>
+              </a:rPr>
+              <a:t>https://github.com/gomtings/JeoninHighSchool.git</a:t>
+            </a:r>
+            <a:endParaRPr lang="en-US" altLang="ko-KR" dirty="0"/>
+          </a:p>
+          <a:p>
+            <a:pPr marL="342900" indent="-342900">
+              <a:buFontTx/>
+              <a:buAutoNum type="arabicPeriod"/>
+            </a:pPr>
+            <a:r>
+              <a:rPr lang="en-US" altLang="ko-KR" dirty="0"/>
+              <a:t>git add .</a:t>
+            </a:r>
+          </a:p>
+          <a:p>
+            <a:pPr marL="342900" indent="-342900">
+              <a:buFontTx/>
+              <a:buAutoNum type="arabicPeriod"/>
+            </a:pPr>
+            <a:r>
+              <a:rPr lang="en-US" altLang="ko-KR" dirty="0"/>
+              <a:t>git commit -m "commit"</a:t>
+            </a:r>
+          </a:p>
+          <a:p>
+            <a:pPr marL="342900" indent="-342900">
+              <a:buFontTx/>
+              <a:buAutoNum type="arabicPeriod"/>
+            </a:pPr>
+            <a:r>
+              <a:rPr lang="en-US" altLang="ko-KR" dirty="0"/>
+              <a:t>git push -u origin main</a:t>
+            </a:r>
+          </a:p>
+          <a:p>
+            <a:pPr marL="342900" indent="-342900">
+              <a:buFontTx/>
+              <a:buAutoNum type="arabicPeriod"/>
+            </a:pPr>
+            <a:endParaRPr lang="ko-KR" altLang="en-US" dirty="0"/>
+          </a:p>
+        </p:txBody>
+      </p:sp>
+      <p:pic>
+        <p:nvPicPr>
+          <p:cNvPr id="5" name="그림 4">
+            <a:extLst>
+              <a:ext uri="{FF2B5EF4-FFF2-40B4-BE49-F238E27FC236}">
+                <a16:creationId xmlns:a16="http://schemas.microsoft.com/office/drawing/2014/main" id="{D0D35AC0-7B06-8792-F3A3-A4697B3CEAFB}"/>
+              </a:ext>
+            </a:extLst>
+          </p:cNvPr>
+          <p:cNvPicPr>
+            <a:picLocks noChangeAspect="1"/>
+          </p:cNvPicPr>
+          <p:nvPr/>
+        </p:nvPicPr>
+        <p:blipFill>
+          <a:blip r:embed="rId3"/>
+          <a:stretch>
+            <a:fillRect/>
+          </a:stretch>
+        </p:blipFill>
+        <p:spPr>
+          <a:xfrm>
+            <a:off x="799628" y="1724682"/>
+            <a:ext cx="6007527" cy="3408635"/>
+          </a:xfrm>
+          <a:prstGeom prst="rect">
+            <a:avLst/>
+          </a:prstGeom>
+        </p:spPr>
+      </p:pic>
+    </p:spTree>
+    <p:extLst>
+      <p:ext uri="{BB962C8B-B14F-4D97-AF65-F5344CB8AC3E}">
+        <p14:creationId xmlns:p14="http://schemas.microsoft.com/office/powerpoint/2010/main" val="2286545647"/>
       </p:ext>
     </p:extLst>
   </p:cSld>
